--- a/Credit Card Fraud Detection.pptx
+++ b/Credit Card Fraud Detection.pptx
@@ -8,14 +8,15 @@
     <p:sldId id="256" r:id="rId2"/>
     <p:sldId id="257" r:id="rId3"/>
     <p:sldId id="258" r:id="rId4"/>
-    <p:sldId id="260" r:id="rId5"/>
-    <p:sldId id="259" r:id="rId6"/>
-    <p:sldId id="262" r:id="rId7"/>
-    <p:sldId id="261" r:id="rId8"/>
-    <p:sldId id="263" r:id="rId9"/>
-    <p:sldId id="265" r:id="rId10"/>
-    <p:sldId id="264" r:id="rId11"/>
-    <p:sldId id="266" r:id="rId12"/>
+    <p:sldId id="267" r:id="rId5"/>
+    <p:sldId id="260" r:id="rId6"/>
+    <p:sldId id="259" r:id="rId7"/>
+    <p:sldId id="262" r:id="rId8"/>
+    <p:sldId id="261" r:id="rId9"/>
+    <p:sldId id="263" r:id="rId10"/>
+    <p:sldId id="265" r:id="rId11"/>
+    <p:sldId id="264" r:id="rId12"/>
+    <p:sldId id="266" r:id="rId13"/>
   </p:sldIdLst>
   <p:sldSz cx="12192000" cy="6858000"/>
   <p:notesSz cx="6858000" cy="9144000"/>
@@ -4087,7 +4088,7 @@
           <a:effectLst/>
           <a:extLst>
             <a:ext uri="{91240B29-F687-4f45-9708-019B960494DF}">
-              <a14:hiddenLine xmlns="" xmlns:a14="http://schemas.microsoft.com/office/drawing/2010/main" w="9525">
+              <a14:hiddenLine xmlns:a14="http://schemas.microsoft.com/office/drawing/2010/main" xmlns="" w="9525">
                 <a:solidFill>
                   <a:srgbClr val="000000"/>
                 </a:solidFill>
@@ -4279,7 +4280,7 @@
           <a:p>
             <a:fld id="{973F4E3D-0F1C-45EA-8583-A72F5C1699CC}" type="datetimeFigureOut">
               <a:rPr lang="he-IL" smtClean="0"/>
-              <a:t>י"ח/סיון/תשפ"ב</a:t>
+              <a:t>כ"א/סיון/תשפ"ב</a:t>
             </a:fld>
             <a:endParaRPr lang="he-IL"/>
           </a:p>
@@ -4597,7 +4598,7 @@
           <a:p>
             <a:fld id="{973F4E3D-0F1C-45EA-8583-A72F5C1699CC}" type="datetimeFigureOut">
               <a:rPr lang="he-IL" smtClean="0"/>
-              <a:t>י"ח/סיון/תשפ"ב</a:t>
+              <a:t>כ"א/סיון/תשפ"ב</a:t>
             </a:fld>
             <a:endParaRPr lang="he-IL"/>
           </a:p>
@@ -5085,7 +5086,7 @@
           <a:p>
             <a:fld id="{973F4E3D-0F1C-45EA-8583-A72F5C1699CC}" type="datetimeFigureOut">
               <a:rPr lang="he-IL" smtClean="0"/>
-              <a:t>י"ח/סיון/תשפ"ב</a:t>
+              <a:t>כ"א/סיון/תשפ"ב</a:t>
             </a:fld>
             <a:endParaRPr lang="he-IL"/>
           </a:p>
@@ -5454,7 +5455,7 @@
           <a:p>
             <a:fld id="{973F4E3D-0F1C-45EA-8583-A72F5C1699CC}" type="datetimeFigureOut">
               <a:rPr lang="he-IL" smtClean="0"/>
-              <a:t>י"ח/סיון/תשפ"ב</a:t>
+              <a:t>כ"א/סיון/תשפ"ב</a:t>
             </a:fld>
             <a:endParaRPr lang="he-IL"/>
           </a:p>
@@ -5609,7 +5610,7 @@
           <a:ln/>
           <a:extLst>
             <a:ext uri="{91240B29-F687-4f45-9708-019B960494DF}">
-              <a14:hiddenLine xmlns="" xmlns:a14="http://schemas.microsoft.com/office/drawing/2010/main" w="9525">
+              <a14:hiddenLine xmlns:a14="http://schemas.microsoft.com/office/drawing/2010/main" xmlns="" w="9525">
                 <a:solidFill>
                   <a:srgbClr val="000000"/>
                 </a:solidFill>
@@ -5727,7 +5728,7 @@
           <a:p>
             <a:fld id="{973F4E3D-0F1C-45EA-8583-A72F5C1699CC}" type="datetimeFigureOut">
               <a:rPr lang="he-IL" smtClean="0"/>
-              <a:t>י"ח/סיון/תשפ"ב</a:t>
+              <a:t>כ"א/סיון/תשפ"ב</a:t>
             </a:fld>
             <a:endParaRPr lang="he-IL"/>
           </a:p>
@@ -5884,7 +5885,7 @@
           <a:ln/>
           <a:extLst>
             <a:ext uri="{91240B29-F687-4f45-9708-019B960494DF}">
-              <a14:hiddenLine xmlns="" xmlns:a14="http://schemas.microsoft.com/office/drawing/2010/main" w="9525">
+              <a14:hiddenLine xmlns:a14="http://schemas.microsoft.com/office/drawing/2010/main" xmlns="" w="9525">
                 <a:solidFill>
                   <a:srgbClr val="000000"/>
                 </a:solidFill>
@@ -6012,7 +6013,7 @@
           <a:p>
             <a:fld id="{973F4E3D-0F1C-45EA-8583-A72F5C1699CC}" type="datetimeFigureOut">
               <a:rPr lang="he-IL" smtClean="0"/>
-              <a:t>י"ח/סיון/תשפ"ב</a:t>
+              <a:t>כ"א/סיון/תשפ"ב</a:t>
             </a:fld>
             <a:endParaRPr lang="he-IL"/>
           </a:p>
@@ -6167,7 +6168,7 @@
           <a:ln/>
           <a:extLst>
             <a:ext uri="{91240B29-F687-4f45-9708-019B960494DF}">
-              <a14:hiddenLine xmlns="" xmlns:a14="http://schemas.microsoft.com/office/drawing/2010/main" w="9525">
+              <a14:hiddenLine xmlns:a14="http://schemas.microsoft.com/office/drawing/2010/main" xmlns="" w="9525">
                 <a:solidFill>
                   <a:srgbClr val="000000"/>
                 </a:solidFill>
@@ -6295,7 +6296,7 @@
           <a:p>
             <a:fld id="{973F4E3D-0F1C-45EA-8583-A72F5C1699CC}" type="datetimeFigureOut">
               <a:rPr lang="he-IL" smtClean="0"/>
-              <a:t>י"ח/סיון/תשפ"ב</a:t>
+              <a:t>כ"א/סיון/תשפ"ב</a:t>
             </a:fld>
             <a:endParaRPr lang="he-IL"/>
           </a:p>
@@ -6638,7 +6639,7 @@
           <a:p>
             <a:fld id="{973F4E3D-0F1C-45EA-8583-A72F5C1699CC}" type="datetimeFigureOut">
               <a:rPr lang="he-IL" smtClean="0"/>
-              <a:t>י"ח/סיון/תשפ"ב</a:t>
+              <a:t>כ"א/סיון/תשפ"ב</a:t>
             </a:fld>
             <a:endParaRPr lang="he-IL"/>
           </a:p>
@@ -6793,7 +6794,7 @@
           <a:ln/>
           <a:extLst>
             <a:ext uri="{91240B29-F687-4f45-9708-019B960494DF}">
-              <a14:hiddenLine xmlns="" xmlns:a14="http://schemas.microsoft.com/office/drawing/2010/main" w="9525">
+              <a14:hiddenLine xmlns:a14="http://schemas.microsoft.com/office/drawing/2010/main" xmlns="" w="9525">
                 <a:solidFill>
                   <a:srgbClr val="000000"/>
                 </a:solidFill>
@@ -6977,7 +6978,7 @@
           <a:p>
             <a:fld id="{973F4E3D-0F1C-45EA-8583-A72F5C1699CC}" type="datetimeFigureOut">
               <a:rPr lang="he-IL" smtClean="0"/>
-              <a:t>י"ח/סיון/תשפ"ב</a:t>
+              <a:t>כ"א/סיון/תשפ"ב</a:t>
             </a:fld>
             <a:endParaRPr lang="he-IL"/>
           </a:p>
@@ -7132,7 +7133,7 @@
           <a:ln/>
           <a:extLst>
             <a:ext uri="{91240B29-F687-4f45-9708-019B960494DF}">
-              <a14:hiddenLine xmlns="" xmlns:a14="http://schemas.microsoft.com/office/drawing/2010/main" w="9525">
+              <a14:hiddenLine xmlns:a14="http://schemas.microsoft.com/office/drawing/2010/main" xmlns="" w="9525">
                 <a:solidFill>
                   <a:srgbClr val="000000"/>
                 </a:solidFill>
@@ -7454,7 +7455,7 @@
           <a:p>
             <a:fld id="{973F4E3D-0F1C-45EA-8583-A72F5C1699CC}" type="datetimeFigureOut">
               <a:rPr lang="he-IL" smtClean="0"/>
-              <a:t>י"ח/סיון/תשפ"ב</a:t>
+              <a:t>כ"א/סיון/תשפ"ב</a:t>
             </a:fld>
             <a:endParaRPr lang="he-IL"/>
           </a:p>
@@ -7609,7 +7610,7 @@
           <a:ln/>
           <a:extLst>
             <a:ext uri="{91240B29-F687-4f45-9708-019B960494DF}">
-              <a14:hiddenLine xmlns="" xmlns:a14="http://schemas.microsoft.com/office/drawing/2010/main" w="9525">
+              <a14:hiddenLine xmlns:a14="http://schemas.microsoft.com/office/drawing/2010/main" xmlns="" w="9525">
                 <a:solidFill>
                   <a:srgbClr val="000000"/>
                 </a:solidFill>
@@ -7675,7 +7676,7 @@
           <a:p>
             <a:fld id="{973F4E3D-0F1C-45EA-8583-A72F5C1699CC}" type="datetimeFigureOut">
               <a:rPr lang="he-IL" smtClean="0"/>
-              <a:t>י"ח/סיון/תשפ"ב</a:t>
+              <a:t>כ"א/סיון/תשפ"ב</a:t>
             </a:fld>
             <a:endParaRPr lang="he-IL"/>
           </a:p>
@@ -7770,7 +7771,7 @@
           <a:p>
             <a:fld id="{973F4E3D-0F1C-45EA-8583-A72F5C1699CC}" type="datetimeFigureOut">
               <a:rPr lang="he-IL" smtClean="0"/>
-              <a:t>י"ח/סיון/תשפ"ב</a:t>
+              <a:t>כ"א/סיון/תשפ"ב</a:t>
             </a:fld>
             <a:endParaRPr lang="he-IL"/>
           </a:p>
@@ -8038,7 +8039,7 @@
           <a:ln/>
           <a:extLst>
             <a:ext uri="{91240B29-F687-4f45-9708-019B960494DF}">
-              <a14:hiddenLine xmlns="" xmlns:a14="http://schemas.microsoft.com/office/drawing/2010/main" w="9525">
+              <a14:hiddenLine xmlns:a14="http://schemas.microsoft.com/office/drawing/2010/main" xmlns="" w="9525">
                 <a:solidFill>
                   <a:srgbClr val="000000"/>
                 </a:solidFill>
@@ -8237,7 +8238,7 @@
           <a:p>
             <a:fld id="{973F4E3D-0F1C-45EA-8583-A72F5C1699CC}" type="datetimeFigureOut">
               <a:rPr lang="he-IL" smtClean="0"/>
-              <a:t>י"ח/סיון/תשפ"ב</a:t>
+              <a:t>כ"א/סיון/תשפ"ב</a:t>
             </a:fld>
             <a:endParaRPr lang="he-IL"/>
           </a:p>
@@ -8550,7 +8551,7 @@
           <a:p>
             <a:fld id="{973F4E3D-0F1C-45EA-8583-A72F5C1699CC}" type="datetimeFigureOut">
               <a:rPr lang="he-IL" smtClean="0"/>
-              <a:t>י"ח/סיון/תשפ"ב</a:t>
+              <a:t>כ"א/סיון/תשפ"ב</a:t>
             </a:fld>
             <a:endParaRPr lang="he-IL"/>
           </a:p>
@@ -8820,7 +8821,7 @@
           <a:p>
             <a:fld id="{973F4E3D-0F1C-45EA-8583-A72F5C1699CC}" type="datetimeFigureOut">
               <a:rPr lang="he-IL" smtClean="0"/>
-              <a:t>י"ח/סיון/תשפ"ב</a:t>
+              <a:t>כ"א/סיון/תשפ"ב</a:t>
             </a:fld>
             <a:endParaRPr lang="he-IL"/>
           </a:p>
@@ -9506,6 +9507,233 @@
           <p:cNvPr id="2" name="כותרת 1">
             <a:extLst>
               <a:ext uri="{FF2B5EF4-FFF2-40B4-BE49-F238E27FC236}">
+                <a16:creationId xmlns:a16="http://schemas.microsoft.com/office/drawing/2014/main" id="{84A07F89-976D-7B1A-E764-64C3CBC073E2}"/>
+              </a:ext>
+            </a:extLst>
+          </p:cNvPr>
+          <p:cNvSpPr>
+            <a:spLocks noGrp="1"/>
+          </p:cNvSpPr>
+          <p:nvPr>
+            <p:ph type="title"/>
+          </p:nvPr>
+        </p:nvSpPr>
+        <p:spPr/>
+        <p:txBody>
+          <a:bodyPr/>
+          <a:lstStyle/>
+          <a:p>
+            <a:r>
+              <a:rPr lang="en-US" dirty="0"/>
+              <a:t>Additional data</a:t>
+            </a:r>
+            <a:endParaRPr lang="he-IL" dirty="0"/>
+          </a:p>
+        </p:txBody>
+      </p:sp>
+      <p:sp>
+        <p:nvSpPr>
+          <p:cNvPr id="3" name="מציין מיקום תוכן 2">
+            <a:extLst>
+              <a:ext uri="{FF2B5EF4-FFF2-40B4-BE49-F238E27FC236}">
+                <a16:creationId xmlns:a16="http://schemas.microsoft.com/office/drawing/2014/main" id="{DC360970-4207-A650-C01C-F03204E18925}"/>
+              </a:ext>
+            </a:extLst>
+          </p:cNvPr>
+          <p:cNvSpPr>
+            <a:spLocks noGrp="1"/>
+          </p:cNvSpPr>
+          <p:nvPr>
+            <p:ph idx="1"/>
+          </p:nvPr>
+        </p:nvSpPr>
+        <p:spPr>
+          <a:xfrm>
+            <a:off x="514905" y="2974019"/>
+            <a:ext cx="10858381" cy="2884779"/>
+          </a:xfrm>
+        </p:spPr>
+        <p:txBody>
+          <a:bodyPr/>
+          <a:lstStyle/>
+          <a:p>
+            <a:pPr algn="l" rtl="0"/>
+            <a:r>
+              <a:rPr lang="en-US" sz="1800" dirty="0"/>
+              <a:t>Customer Address and shipping address : To check if there is a match in the shipping address to the customer address?</a:t>
+            </a:r>
+          </a:p>
+          <a:p>
+            <a:pPr algn="l" rtl="0"/>
+            <a:r>
+              <a:rPr lang="en-US" sz="1800" dirty="0"/>
+              <a:t>Type of purchase: There may be some pattern of purchases (fashion / electronic device / games, etc.) that are mostly scams</a:t>
+            </a:r>
+            <a:r>
+              <a:rPr lang="en-US" dirty="0"/>
+              <a:t>?</a:t>
+            </a:r>
+          </a:p>
+          <a:p>
+            <a:pPr algn="l" rtl="0"/>
+            <a:r>
+              <a:rPr lang="en-US" dirty="0"/>
+              <a:t>City - There may be cities where there is a higher likelihood of fraud.</a:t>
+            </a:r>
+            <a:endParaRPr lang="he-IL" dirty="0"/>
+          </a:p>
+        </p:txBody>
+      </p:sp>
+      <p:sp>
+        <p:nvSpPr>
+          <p:cNvPr id="4" name="כותרת 1">
+            <a:extLst>
+              <a:ext uri="{FF2B5EF4-FFF2-40B4-BE49-F238E27FC236}">
+                <a16:creationId xmlns:a16="http://schemas.microsoft.com/office/drawing/2014/main" id="{4A566C4B-EF0D-B3F1-ED1E-A360304843AA}"/>
+              </a:ext>
+            </a:extLst>
+          </p:cNvPr>
+          <p:cNvSpPr txBox="1">
+            <a:spLocks/>
+          </p:cNvSpPr>
+          <p:nvPr/>
+        </p:nvSpPr>
+        <p:spPr>
+          <a:xfrm>
+            <a:off x="962400" y="1931242"/>
+            <a:ext cx="10571998" cy="970450"/>
+          </a:xfrm>
+          <a:prstGeom prst="rect">
+            <a:avLst/>
+          </a:prstGeom>
+          <a:effectLst>
+            <a:outerShdw blurRad="50800" dir="14400000">
+              <a:srgbClr val="000000">
+                <a:alpha val="60000"/>
+              </a:srgbClr>
+            </a:outerShdw>
+          </a:effectLst>
+        </p:spPr>
+        <p:txBody>
+          <a:bodyPr vert="horz" lIns="91440" tIns="45720" rIns="91440" bIns="45720" rtlCol="0" anchor="b">
+            <a:noAutofit/>
+          </a:bodyPr>
+          <a:lstStyle>
+            <a:lvl1pPr algn="l" defTabSz="457200" rtl="1" eaLnBrk="1" latinLnBrk="0" hangingPunct="1">
+              <a:spcBef>
+                <a:spcPct val="0"/>
+              </a:spcBef>
+              <a:buNone/>
+              <a:defRPr sz="4000" b="1" kern="1200">
+                <a:solidFill>
+                  <a:srgbClr val="FEFEFE"/>
+                </a:solidFill>
+                <a:latin typeface="+mj-lt"/>
+                <a:ea typeface="+mj-ea"/>
+                <a:cs typeface="+mj-cs"/>
+              </a:defRPr>
+            </a:lvl1pPr>
+            <a:lvl2pPr rtl="1" eaLnBrk="1" hangingPunct="1">
+              <a:defRPr>
+                <a:solidFill>
+                  <a:schemeClr val="tx2"/>
+                </a:solidFill>
+              </a:defRPr>
+            </a:lvl2pPr>
+            <a:lvl3pPr rtl="1" eaLnBrk="1" hangingPunct="1">
+              <a:defRPr>
+                <a:solidFill>
+                  <a:schemeClr val="tx2"/>
+                </a:solidFill>
+              </a:defRPr>
+            </a:lvl3pPr>
+            <a:lvl4pPr rtl="1" eaLnBrk="1" hangingPunct="1">
+              <a:defRPr>
+                <a:solidFill>
+                  <a:schemeClr val="tx2"/>
+                </a:solidFill>
+              </a:defRPr>
+            </a:lvl4pPr>
+            <a:lvl5pPr rtl="1" eaLnBrk="1" hangingPunct="1">
+              <a:defRPr>
+                <a:solidFill>
+                  <a:schemeClr val="tx2"/>
+                </a:solidFill>
+              </a:defRPr>
+            </a:lvl5pPr>
+            <a:lvl6pPr rtl="1" eaLnBrk="1" hangingPunct="1">
+              <a:defRPr>
+                <a:solidFill>
+                  <a:schemeClr val="tx2"/>
+                </a:solidFill>
+              </a:defRPr>
+            </a:lvl6pPr>
+            <a:lvl7pPr rtl="1" eaLnBrk="1" hangingPunct="1">
+              <a:defRPr>
+                <a:solidFill>
+                  <a:schemeClr val="tx2"/>
+                </a:solidFill>
+              </a:defRPr>
+            </a:lvl7pPr>
+            <a:lvl8pPr rtl="1" eaLnBrk="1" hangingPunct="1">
+              <a:defRPr>
+                <a:solidFill>
+                  <a:schemeClr val="tx2"/>
+                </a:solidFill>
+              </a:defRPr>
+            </a:lvl8pPr>
+            <a:lvl9pPr rtl="1" eaLnBrk="1" hangingPunct="1">
+              <a:defRPr>
+                <a:solidFill>
+                  <a:schemeClr val="tx2"/>
+                </a:solidFill>
+              </a:defRPr>
+            </a:lvl9pPr>
+          </a:lstStyle>
+          <a:p>
+            <a:r>
+              <a:rPr lang="en-US" sz="2000"/>
+              <a:t>Before we get to the conclusions and recommendations, I will point out some data that might have shed further light on the main question - is this a fraudulent deal?</a:t>
+            </a:r>
+            <a:endParaRPr lang="he-IL" sz="2000" dirty="0"/>
+          </a:p>
+        </p:txBody>
+      </p:sp>
+    </p:spTree>
+    <p:extLst>
+      <p:ext uri="{BB962C8B-B14F-4D97-AF65-F5344CB8AC3E}">
+        <p14:creationId xmlns:p14="http://schemas.microsoft.com/office/powerpoint/2010/main" val="254446240"/>
+      </p:ext>
+    </p:extLst>
+  </p:cSld>
+  <p:clrMapOvr>
+    <a:masterClrMapping/>
+  </p:clrMapOvr>
+</p:sld>
+</file>
+
+<file path=ppt/slides/slide11.xml><?xml version="1.0" encoding="utf-8"?>
+<p:sld xmlns:a="http://schemas.openxmlformats.org/drawingml/2006/main" xmlns:r="http://schemas.openxmlformats.org/officeDocument/2006/relationships" xmlns:p="http://schemas.openxmlformats.org/presentationml/2006/main">
+  <p:cSld>
+    <p:spTree>
+      <p:nvGrpSpPr>
+        <p:cNvPr id="1" name=""/>
+        <p:cNvGrpSpPr/>
+        <p:nvPr/>
+      </p:nvGrpSpPr>
+      <p:grpSpPr>
+        <a:xfrm>
+          <a:off x="0" y="0"/>
+          <a:ext cx="0" cy="0"/>
+          <a:chOff x="0" y="0"/>
+          <a:chExt cx="0" cy="0"/>
+        </a:xfrm>
+      </p:grpSpPr>
+      <p:sp>
+        <p:nvSpPr>
+          <p:cNvPr id="2" name="כותרת 1">
+            <a:extLst>
+              <a:ext uri="{FF2B5EF4-FFF2-40B4-BE49-F238E27FC236}">
                 <a16:creationId xmlns:a16="http://schemas.microsoft.com/office/drawing/2014/main" id="{85BDCF7F-757C-E712-F99A-5D2C74FCAB77}"/>
               </a:ext>
             </a:extLst>
@@ -9897,7 +10125,7 @@
 </p:sld>
 </file>
 
-<file path=ppt/slides/slide11.xml><?xml version="1.0" encoding="utf-8"?>
+<file path=ppt/slides/slide12.xml><?xml version="1.0" encoding="utf-8"?>
 <p:sld xmlns:a="http://schemas.openxmlformats.org/drawingml/2006/main" xmlns:r="http://schemas.openxmlformats.org/officeDocument/2006/relationships" xmlns:p="http://schemas.openxmlformats.org/presentationml/2006/main">
   <p:cSld>
     <p:spTree>
@@ -10807,6 +11035,104 @@
           <p:cNvPr id="2" name="כותרת 1">
             <a:extLst>
               <a:ext uri="{FF2B5EF4-FFF2-40B4-BE49-F238E27FC236}">
+                <a16:creationId xmlns:a16="http://schemas.microsoft.com/office/drawing/2014/main" id="{29CA02CA-BD99-2AEA-8973-94A75D4FC69A}"/>
+              </a:ext>
+            </a:extLst>
+          </p:cNvPr>
+          <p:cNvSpPr>
+            <a:spLocks noGrp="1"/>
+          </p:cNvSpPr>
+          <p:nvPr>
+            <p:ph type="title"/>
+          </p:nvPr>
+        </p:nvSpPr>
+        <p:spPr/>
+        <p:txBody>
+          <a:bodyPr/>
+          <a:lstStyle/>
+          <a:p>
+            <a:r>
+              <a:rPr lang="en-US" dirty="0"/>
+              <a:t>The project's goal</a:t>
+            </a:r>
+            <a:endParaRPr lang="he-IL" dirty="0"/>
+          </a:p>
+        </p:txBody>
+      </p:sp>
+      <p:sp>
+        <p:nvSpPr>
+          <p:cNvPr id="3" name="מציין מיקום תוכן 2">
+            <a:extLst>
+              <a:ext uri="{FF2B5EF4-FFF2-40B4-BE49-F238E27FC236}">
+                <a16:creationId xmlns:a16="http://schemas.microsoft.com/office/drawing/2014/main" id="{356CBACB-52C5-8336-CDD3-D480D02C163E}"/>
+              </a:ext>
+            </a:extLst>
+          </p:cNvPr>
+          <p:cNvSpPr>
+            <a:spLocks noGrp="1"/>
+          </p:cNvSpPr>
+          <p:nvPr>
+            <p:ph idx="1"/>
+          </p:nvPr>
+        </p:nvSpPr>
+        <p:spPr>
+          <a:xfrm>
+            <a:off x="818712" y="2438400"/>
+            <a:ext cx="10554574" cy="2258292"/>
+          </a:xfrm>
+        </p:spPr>
+        <p:txBody>
+          <a:bodyPr>
+            <a:normAutofit/>
+          </a:bodyPr>
+          <a:lstStyle/>
+          <a:p>
+            <a:pPr marL="0" indent="0" algn="ctr" rtl="0">
+              <a:buNone/>
+            </a:pPr>
+            <a:r>
+              <a:rPr lang="en-US" sz="2800" dirty="0"/>
+              <a:t>To examine what parameters indicate a significant connection to the commission of a credit card fraud.</a:t>
+            </a:r>
+            <a:endParaRPr lang="he-IL" sz="2800" dirty="0"/>
+          </a:p>
+        </p:txBody>
+      </p:sp>
+    </p:spTree>
+    <p:extLst>
+      <p:ext uri="{BB962C8B-B14F-4D97-AF65-F5344CB8AC3E}">
+        <p14:creationId xmlns:p14="http://schemas.microsoft.com/office/powerpoint/2010/main" val="1607857681"/>
+      </p:ext>
+    </p:extLst>
+  </p:cSld>
+  <p:clrMapOvr>
+    <a:masterClrMapping/>
+  </p:clrMapOvr>
+</p:sld>
+</file>
+
+<file path=ppt/slides/slide5.xml><?xml version="1.0" encoding="utf-8"?>
+<p:sld xmlns:a="http://schemas.openxmlformats.org/drawingml/2006/main" xmlns:r="http://schemas.openxmlformats.org/officeDocument/2006/relationships" xmlns:p="http://schemas.openxmlformats.org/presentationml/2006/main">
+  <p:cSld>
+    <p:spTree>
+      <p:nvGrpSpPr>
+        <p:cNvPr id="1" name=""/>
+        <p:cNvGrpSpPr/>
+        <p:nvPr/>
+      </p:nvGrpSpPr>
+      <p:grpSpPr>
+        <a:xfrm>
+          <a:off x="0" y="0"/>
+          <a:ext cx="0" cy="0"/>
+          <a:chOff x="0" y="0"/>
+          <a:chExt cx="0" cy="0"/>
+        </a:xfrm>
+      </p:grpSpPr>
+      <p:sp>
+        <p:nvSpPr>
+          <p:cNvPr id="2" name="כותרת 1">
+            <a:extLst>
+              <a:ext uri="{FF2B5EF4-FFF2-40B4-BE49-F238E27FC236}">
                 <a16:creationId xmlns:a16="http://schemas.microsoft.com/office/drawing/2014/main" id="{F868B098-E4EB-6AC9-9186-508122559316}"/>
               </a:ext>
             </a:extLst>
@@ -10928,7 +11254,7 @@
 </p:sld>
 </file>
 
-<file path=ppt/slides/slide5.xml><?xml version="1.0" encoding="utf-8"?>
+<file path=ppt/slides/slide6.xml><?xml version="1.0" encoding="utf-8"?>
 <p:sld xmlns:a="http://schemas.openxmlformats.org/drawingml/2006/main" xmlns:r="http://schemas.openxmlformats.org/officeDocument/2006/relationships" xmlns:p="http://schemas.openxmlformats.org/presentationml/2006/main">
   <p:cSld>
     <p:spTree>
@@ -11546,7 +11872,7 @@
 </p:sld>
 </file>
 
-<file path=ppt/slides/slide6.xml><?xml version="1.0" encoding="utf-8"?>
+<file path=ppt/slides/slide7.xml><?xml version="1.0" encoding="utf-8"?>
 <p:sld xmlns:a="http://schemas.openxmlformats.org/drawingml/2006/main" xmlns:r="http://schemas.openxmlformats.org/officeDocument/2006/relationships" xmlns:p="http://schemas.openxmlformats.org/presentationml/2006/main">
   <p:cSld>
     <p:spTree>
@@ -12259,7 +12585,7 @@
 </p:sld>
 </file>
 
-<file path=ppt/slides/slide7.xml><?xml version="1.0" encoding="utf-8"?>
+<file path=ppt/slides/slide8.xml><?xml version="1.0" encoding="utf-8"?>
 <p:sld xmlns:a="http://schemas.openxmlformats.org/drawingml/2006/main" xmlns:r="http://schemas.openxmlformats.org/officeDocument/2006/relationships" xmlns:p="http://schemas.openxmlformats.org/presentationml/2006/main">
   <p:cSld>
     <p:spTree>
@@ -13018,7 +13344,7 @@
 </p:sld>
 </file>
 
-<file path=ppt/slides/slide8.xml><?xml version="1.0" encoding="utf-8"?>
+<file path=ppt/slides/slide9.xml><?xml version="1.0" encoding="utf-8"?>
 <p:sld xmlns:a="http://schemas.openxmlformats.org/drawingml/2006/main" xmlns:r="http://schemas.openxmlformats.org/officeDocument/2006/relationships" xmlns:p="http://schemas.openxmlformats.org/presentationml/2006/main">
   <p:cSld>
     <p:spTree>
@@ -13156,233 +13482,6 @@
     <p:extLst>
       <p:ext uri="{BB962C8B-B14F-4D97-AF65-F5344CB8AC3E}">
         <p14:creationId xmlns:p14="http://schemas.microsoft.com/office/powerpoint/2010/main" val="1169216586"/>
-      </p:ext>
-    </p:extLst>
-  </p:cSld>
-  <p:clrMapOvr>
-    <a:masterClrMapping/>
-  </p:clrMapOvr>
-</p:sld>
-</file>
-
-<file path=ppt/slides/slide9.xml><?xml version="1.0" encoding="utf-8"?>
-<p:sld xmlns:a="http://schemas.openxmlformats.org/drawingml/2006/main" xmlns:r="http://schemas.openxmlformats.org/officeDocument/2006/relationships" xmlns:p="http://schemas.openxmlformats.org/presentationml/2006/main">
-  <p:cSld>
-    <p:spTree>
-      <p:nvGrpSpPr>
-        <p:cNvPr id="1" name=""/>
-        <p:cNvGrpSpPr/>
-        <p:nvPr/>
-      </p:nvGrpSpPr>
-      <p:grpSpPr>
-        <a:xfrm>
-          <a:off x="0" y="0"/>
-          <a:ext cx="0" cy="0"/>
-          <a:chOff x="0" y="0"/>
-          <a:chExt cx="0" cy="0"/>
-        </a:xfrm>
-      </p:grpSpPr>
-      <p:sp>
-        <p:nvSpPr>
-          <p:cNvPr id="2" name="כותרת 1">
-            <a:extLst>
-              <a:ext uri="{FF2B5EF4-FFF2-40B4-BE49-F238E27FC236}">
-                <a16:creationId xmlns:a16="http://schemas.microsoft.com/office/drawing/2014/main" id="{84A07F89-976D-7B1A-E764-64C3CBC073E2}"/>
-              </a:ext>
-            </a:extLst>
-          </p:cNvPr>
-          <p:cNvSpPr>
-            <a:spLocks noGrp="1"/>
-          </p:cNvSpPr>
-          <p:nvPr>
-            <p:ph type="title"/>
-          </p:nvPr>
-        </p:nvSpPr>
-        <p:spPr/>
-        <p:txBody>
-          <a:bodyPr/>
-          <a:lstStyle/>
-          <a:p>
-            <a:r>
-              <a:rPr lang="en-US" dirty="0"/>
-              <a:t>Additional data</a:t>
-            </a:r>
-            <a:endParaRPr lang="he-IL" dirty="0"/>
-          </a:p>
-        </p:txBody>
-      </p:sp>
-      <p:sp>
-        <p:nvSpPr>
-          <p:cNvPr id="3" name="מציין מיקום תוכן 2">
-            <a:extLst>
-              <a:ext uri="{FF2B5EF4-FFF2-40B4-BE49-F238E27FC236}">
-                <a16:creationId xmlns:a16="http://schemas.microsoft.com/office/drawing/2014/main" id="{DC360970-4207-A650-C01C-F03204E18925}"/>
-              </a:ext>
-            </a:extLst>
-          </p:cNvPr>
-          <p:cNvSpPr>
-            <a:spLocks noGrp="1"/>
-          </p:cNvSpPr>
-          <p:nvPr>
-            <p:ph idx="1"/>
-          </p:nvPr>
-        </p:nvSpPr>
-        <p:spPr>
-          <a:xfrm>
-            <a:off x="514905" y="2974019"/>
-            <a:ext cx="10858381" cy="2884779"/>
-          </a:xfrm>
-        </p:spPr>
-        <p:txBody>
-          <a:bodyPr/>
-          <a:lstStyle/>
-          <a:p>
-            <a:pPr algn="l" rtl="0"/>
-            <a:r>
-              <a:rPr lang="en-US" sz="1800" dirty="0"/>
-              <a:t>Customer Address and shipping address : To check if there is a match in the shipping address to the customer address?</a:t>
-            </a:r>
-          </a:p>
-          <a:p>
-            <a:pPr algn="l" rtl="0"/>
-            <a:r>
-              <a:rPr lang="en-US" sz="1800" dirty="0"/>
-              <a:t>Type of purchase: There may be some pattern of purchases (fashion / electronic device / games, etc.) that are mostly scams</a:t>
-            </a:r>
-            <a:r>
-              <a:rPr lang="en-US" dirty="0"/>
-              <a:t>?</a:t>
-            </a:r>
-          </a:p>
-          <a:p>
-            <a:pPr algn="l" rtl="0"/>
-            <a:r>
-              <a:rPr lang="en-US" dirty="0"/>
-              <a:t>City - There may be cities where there is a higher likelihood of fraud.</a:t>
-            </a:r>
-            <a:endParaRPr lang="he-IL" dirty="0"/>
-          </a:p>
-        </p:txBody>
-      </p:sp>
-      <p:sp>
-        <p:nvSpPr>
-          <p:cNvPr id="4" name="כותרת 1">
-            <a:extLst>
-              <a:ext uri="{FF2B5EF4-FFF2-40B4-BE49-F238E27FC236}">
-                <a16:creationId xmlns:a16="http://schemas.microsoft.com/office/drawing/2014/main" id="{4A566C4B-EF0D-B3F1-ED1E-A360304843AA}"/>
-              </a:ext>
-            </a:extLst>
-          </p:cNvPr>
-          <p:cNvSpPr txBox="1">
-            <a:spLocks/>
-          </p:cNvSpPr>
-          <p:nvPr/>
-        </p:nvSpPr>
-        <p:spPr>
-          <a:xfrm>
-            <a:off x="962400" y="1931242"/>
-            <a:ext cx="10571998" cy="970450"/>
-          </a:xfrm>
-          <a:prstGeom prst="rect">
-            <a:avLst/>
-          </a:prstGeom>
-          <a:effectLst>
-            <a:outerShdw blurRad="50800" dir="14400000">
-              <a:srgbClr val="000000">
-                <a:alpha val="60000"/>
-              </a:srgbClr>
-            </a:outerShdw>
-          </a:effectLst>
-        </p:spPr>
-        <p:txBody>
-          <a:bodyPr vert="horz" lIns="91440" tIns="45720" rIns="91440" bIns="45720" rtlCol="0" anchor="b">
-            <a:noAutofit/>
-          </a:bodyPr>
-          <a:lstStyle>
-            <a:lvl1pPr algn="l" defTabSz="457200" rtl="1" eaLnBrk="1" latinLnBrk="0" hangingPunct="1">
-              <a:spcBef>
-                <a:spcPct val="0"/>
-              </a:spcBef>
-              <a:buNone/>
-              <a:defRPr sz="4000" b="1" kern="1200">
-                <a:solidFill>
-                  <a:srgbClr val="FEFEFE"/>
-                </a:solidFill>
-                <a:latin typeface="+mj-lt"/>
-                <a:ea typeface="+mj-ea"/>
-                <a:cs typeface="+mj-cs"/>
-              </a:defRPr>
-            </a:lvl1pPr>
-            <a:lvl2pPr rtl="1" eaLnBrk="1" hangingPunct="1">
-              <a:defRPr>
-                <a:solidFill>
-                  <a:schemeClr val="tx2"/>
-                </a:solidFill>
-              </a:defRPr>
-            </a:lvl2pPr>
-            <a:lvl3pPr rtl="1" eaLnBrk="1" hangingPunct="1">
-              <a:defRPr>
-                <a:solidFill>
-                  <a:schemeClr val="tx2"/>
-                </a:solidFill>
-              </a:defRPr>
-            </a:lvl3pPr>
-            <a:lvl4pPr rtl="1" eaLnBrk="1" hangingPunct="1">
-              <a:defRPr>
-                <a:solidFill>
-                  <a:schemeClr val="tx2"/>
-                </a:solidFill>
-              </a:defRPr>
-            </a:lvl4pPr>
-            <a:lvl5pPr rtl="1" eaLnBrk="1" hangingPunct="1">
-              <a:defRPr>
-                <a:solidFill>
-                  <a:schemeClr val="tx2"/>
-                </a:solidFill>
-              </a:defRPr>
-            </a:lvl5pPr>
-            <a:lvl6pPr rtl="1" eaLnBrk="1" hangingPunct="1">
-              <a:defRPr>
-                <a:solidFill>
-                  <a:schemeClr val="tx2"/>
-                </a:solidFill>
-              </a:defRPr>
-            </a:lvl6pPr>
-            <a:lvl7pPr rtl="1" eaLnBrk="1" hangingPunct="1">
-              <a:defRPr>
-                <a:solidFill>
-                  <a:schemeClr val="tx2"/>
-                </a:solidFill>
-              </a:defRPr>
-            </a:lvl7pPr>
-            <a:lvl8pPr rtl="1" eaLnBrk="1" hangingPunct="1">
-              <a:defRPr>
-                <a:solidFill>
-                  <a:schemeClr val="tx2"/>
-                </a:solidFill>
-              </a:defRPr>
-            </a:lvl8pPr>
-            <a:lvl9pPr rtl="1" eaLnBrk="1" hangingPunct="1">
-              <a:defRPr>
-                <a:solidFill>
-                  <a:schemeClr val="tx2"/>
-                </a:solidFill>
-              </a:defRPr>
-            </a:lvl9pPr>
-          </a:lstStyle>
-          <a:p>
-            <a:r>
-              <a:rPr lang="en-US" sz="2000"/>
-              <a:t>Before we get to the conclusions and recommendations, I will point out some data that might have shed further light on the main question - is this a fraudulent deal?</a:t>
-            </a:r>
-            <a:endParaRPr lang="he-IL" sz="2000" dirty="0"/>
-          </a:p>
-        </p:txBody>
-      </p:sp>
-    </p:spTree>
-    <p:extLst>
-      <p:ext uri="{BB962C8B-B14F-4D97-AF65-F5344CB8AC3E}">
-        <p14:creationId xmlns:p14="http://schemas.microsoft.com/office/powerpoint/2010/main" val="254446240"/>
       </p:ext>
     </p:extLst>
   </p:cSld>
